--- a/Resources/Presentation.pptx
+++ b/Resources/Presentation.pptx
@@ -292,7 +292,7 @@
             <a:fld id="{46746A40-33FF-4008-BBD0-53CD98C4BB29}" type="datetimeFigureOut">
               <a:rPr lang="en-US" smtClean="0"/>
               <a:pPr/>
-              <a:t>12/7/2008</a:t>
+              <a:t>12/15/2010</a:t>
             </a:fld>
             <a:endParaRPr lang="en-US"/>
           </a:p>
@@ -459,7 +459,7 @@
             <a:fld id="{46746A40-33FF-4008-BBD0-53CD98C4BB29}" type="datetimeFigureOut">
               <a:rPr lang="en-US" smtClean="0"/>
               <a:pPr/>
-              <a:t>12/7/2008</a:t>
+              <a:t>12/15/2010</a:t>
             </a:fld>
             <a:endParaRPr lang="en-US"/>
           </a:p>
@@ -636,7 +636,7 @@
             <a:fld id="{46746A40-33FF-4008-BBD0-53CD98C4BB29}" type="datetimeFigureOut">
               <a:rPr lang="en-US" smtClean="0"/>
               <a:pPr/>
-              <a:t>12/7/2008</a:t>
+              <a:t>12/15/2010</a:t>
             </a:fld>
             <a:endParaRPr lang="en-US"/>
           </a:p>
@@ -803,7 +803,7 @@
             <a:fld id="{46746A40-33FF-4008-BBD0-53CD98C4BB29}" type="datetimeFigureOut">
               <a:rPr lang="en-US" smtClean="0"/>
               <a:pPr/>
-              <a:t>12/7/2008</a:t>
+              <a:t>12/15/2010</a:t>
             </a:fld>
             <a:endParaRPr lang="en-US"/>
           </a:p>
@@ -1046,7 +1046,7 @@
             <a:fld id="{46746A40-33FF-4008-BBD0-53CD98C4BB29}" type="datetimeFigureOut">
               <a:rPr lang="en-US" smtClean="0"/>
               <a:pPr/>
-              <a:t>12/7/2008</a:t>
+              <a:t>12/15/2010</a:t>
             </a:fld>
             <a:endParaRPr lang="en-US"/>
           </a:p>
@@ -1331,7 +1331,7 @@
             <a:fld id="{46746A40-33FF-4008-BBD0-53CD98C4BB29}" type="datetimeFigureOut">
               <a:rPr lang="en-US" smtClean="0"/>
               <a:pPr/>
-              <a:t>12/7/2008</a:t>
+              <a:t>12/15/2010</a:t>
             </a:fld>
             <a:endParaRPr lang="en-US"/>
           </a:p>
@@ -1750,7 +1750,7 @@
             <a:fld id="{46746A40-33FF-4008-BBD0-53CD98C4BB29}" type="datetimeFigureOut">
               <a:rPr lang="en-US" smtClean="0"/>
               <a:pPr/>
-              <a:t>12/7/2008</a:t>
+              <a:t>12/15/2010</a:t>
             </a:fld>
             <a:endParaRPr lang="en-US"/>
           </a:p>
@@ -1865,7 +1865,7 @@
             <a:fld id="{46746A40-33FF-4008-BBD0-53CD98C4BB29}" type="datetimeFigureOut">
               <a:rPr lang="en-US" smtClean="0"/>
               <a:pPr/>
-              <a:t>12/7/2008</a:t>
+              <a:t>12/15/2010</a:t>
             </a:fld>
             <a:endParaRPr lang="en-US"/>
           </a:p>
@@ -1957,7 +1957,7 @@
             <a:fld id="{46746A40-33FF-4008-BBD0-53CD98C4BB29}" type="datetimeFigureOut">
               <a:rPr lang="en-US" smtClean="0"/>
               <a:pPr/>
-              <a:t>12/7/2008</a:t>
+              <a:t>12/15/2010</a:t>
             </a:fld>
             <a:endParaRPr lang="en-US"/>
           </a:p>
@@ -2231,7 +2231,7 @@
             <a:fld id="{46746A40-33FF-4008-BBD0-53CD98C4BB29}" type="datetimeFigureOut">
               <a:rPr lang="en-US" smtClean="0"/>
               <a:pPr/>
-              <a:t>12/7/2008</a:t>
+              <a:t>12/15/2010</a:t>
             </a:fld>
             <a:endParaRPr lang="en-US"/>
           </a:p>
@@ -2481,7 +2481,7 @@
             <a:fld id="{46746A40-33FF-4008-BBD0-53CD98C4BB29}" type="datetimeFigureOut">
               <a:rPr lang="en-US" smtClean="0"/>
               <a:pPr/>
-              <a:t>12/7/2008</a:t>
+              <a:t>12/15/2010</a:t>
             </a:fld>
             <a:endParaRPr lang="en-US"/>
           </a:p>
@@ -2691,7 +2691,7 @@
             <a:fld id="{46746A40-33FF-4008-BBD0-53CD98C4BB29}" type="datetimeFigureOut">
               <a:rPr lang="en-US" smtClean="0"/>
               <a:pPr/>
-              <a:t>12/7/2008</a:t>
+              <a:t>12/15/2010</a:t>
             </a:fld>
             <a:endParaRPr lang="en-US"/>
           </a:p>
@@ -3414,16 +3414,7 @@
                 </a:solidFill>
                 <a:latin typeface="Verdana" pitchFamily="34" charset="0"/>
               </a:rPr>
-              <a:t>s</a:t>
-            </a:r>
-            <a:r>
-              <a:rPr lang="en-US" sz="1600" dirty="0" err="1" smtClean="0">
-                <a:solidFill>
-                  <a:srgbClr val="3022EA"/>
-                </a:solidFill>
-                <a:latin typeface="Verdana" pitchFamily="34" charset="0"/>
-              </a:rPr>
-              <a:t>iamo</a:t>
+              <a:t>siamo</a:t>
             </a:r>
             <a:endParaRPr lang="en-US" sz="1600" dirty="0">
               <a:solidFill>
@@ -3971,6 +3962,311 @@
           </a:p>
         </p:txBody>
       </p:sp>
+      <p:grpSp>
+        <p:nvGrpSpPr>
+          <p:cNvPr id="27" name="Group 26"/>
+          <p:cNvGrpSpPr/>
+          <p:nvPr/>
+        </p:nvGrpSpPr>
+        <p:grpSpPr>
+          <a:xfrm>
+            <a:off x="5004048" y="5229200"/>
+            <a:ext cx="3168352" cy="504056"/>
+            <a:chOff x="5004048" y="5229200"/>
+            <a:chExt cx="3168352" cy="504056"/>
+          </a:xfrm>
+        </p:grpSpPr>
+        <p:sp>
+          <p:nvSpPr>
+            <p:cNvPr id="22" name="5-Point Star 21"/>
+            <p:cNvSpPr/>
+            <p:nvPr/>
+          </p:nvSpPr>
+          <p:spPr>
+            <a:xfrm>
+              <a:off x="5004048" y="5229200"/>
+              <a:ext cx="576064" cy="504056"/>
+            </a:xfrm>
+            <a:prstGeom prst="star5">
+              <a:avLst/>
+            </a:prstGeom>
+            <a:noFill/>
+            <a:ln>
+              <a:solidFill>
+                <a:srgbClr val="3022EA"/>
+              </a:solidFill>
+            </a:ln>
+            <a:effectLst>
+              <a:outerShdw blurRad="38100" dist="50800" sx="1000" sy="1000" algn="ctr" rotWithShape="0">
+                <a:srgbClr val="000000"/>
+              </a:outerShdw>
+            </a:effectLst>
+            <a:scene3d>
+              <a:camera prst="orthographicFront"/>
+              <a:lightRig rig="threePt" dir="t"/>
+            </a:scene3d>
+            <a:sp3d>
+              <a:bevelT/>
+            </a:sp3d>
+          </p:spPr>
+          <p:style>
+            <a:lnRef idx="2">
+              <a:schemeClr val="accent1">
+                <a:shade val="50000"/>
+              </a:schemeClr>
+            </a:lnRef>
+            <a:fillRef idx="1">
+              <a:schemeClr val="accent1"/>
+            </a:fillRef>
+            <a:effectRef idx="0">
+              <a:schemeClr val="accent1"/>
+            </a:effectRef>
+            <a:fontRef idx="minor">
+              <a:schemeClr val="lt1"/>
+            </a:fontRef>
+          </p:style>
+          <p:txBody>
+            <a:bodyPr rtlCol="0" anchor="ctr"/>
+            <a:lstStyle/>
+            <a:p>
+              <a:pPr algn="ctr"/>
+              <a:endParaRPr lang="it-IT"/>
+            </a:p>
+          </p:txBody>
+        </p:sp>
+        <p:sp>
+          <p:nvSpPr>
+            <p:cNvPr id="23" name="5-Point Star 22"/>
+            <p:cNvSpPr/>
+            <p:nvPr/>
+          </p:nvSpPr>
+          <p:spPr>
+            <a:xfrm>
+              <a:off x="5652120" y="5229200"/>
+              <a:ext cx="576064" cy="504056"/>
+            </a:xfrm>
+            <a:prstGeom prst="star5">
+              <a:avLst/>
+            </a:prstGeom>
+            <a:noFill/>
+            <a:ln>
+              <a:solidFill>
+                <a:srgbClr val="3022EA"/>
+              </a:solidFill>
+            </a:ln>
+            <a:effectLst>
+              <a:outerShdw blurRad="38100" dist="50800" sx="1000" sy="1000" algn="ctr" rotWithShape="0">
+                <a:srgbClr val="000000"/>
+              </a:outerShdw>
+            </a:effectLst>
+            <a:scene3d>
+              <a:camera prst="orthographicFront"/>
+              <a:lightRig rig="threePt" dir="t"/>
+            </a:scene3d>
+            <a:sp3d>
+              <a:bevelT/>
+            </a:sp3d>
+          </p:spPr>
+          <p:style>
+            <a:lnRef idx="2">
+              <a:schemeClr val="accent1">
+                <a:shade val="50000"/>
+              </a:schemeClr>
+            </a:lnRef>
+            <a:fillRef idx="1">
+              <a:schemeClr val="accent1"/>
+            </a:fillRef>
+            <a:effectRef idx="0">
+              <a:schemeClr val="accent1"/>
+            </a:effectRef>
+            <a:fontRef idx="minor">
+              <a:schemeClr val="lt1"/>
+            </a:fontRef>
+          </p:style>
+          <p:txBody>
+            <a:bodyPr rtlCol="0" anchor="ctr"/>
+            <a:lstStyle/>
+            <a:p>
+              <a:pPr algn="ctr"/>
+              <a:endParaRPr lang="it-IT"/>
+            </a:p>
+          </p:txBody>
+        </p:sp>
+        <p:sp>
+          <p:nvSpPr>
+            <p:cNvPr id="24" name="5-Point Star 23"/>
+            <p:cNvSpPr/>
+            <p:nvPr/>
+          </p:nvSpPr>
+          <p:spPr>
+            <a:xfrm>
+              <a:off x="6300192" y="5229200"/>
+              <a:ext cx="576064" cy="504056"/>
+            </a:xfrm>
+            <a:prstGeom prst="star5">
+              <a:avLst/>
+            </a:prstGeom>
+            <a:noFill/>
+            <a:ln>
+              <a:solidFill>
+                <a:srgbClr val="3022EA"/>
+              </a:solidFill>
+            </a:ln>
+            <a:effectLst>
+              <a:outerShdw blurRad="38100" dist="50800" sx="1000" sy="1000" algn="ctr" rotWithShape="0">
+                <a:srgbClr val="000000"/>
+              </a:outerShdw>
+            </a:effectLst>
+            <a:scene3d>
+              <a:camera prst="orthographicFront"/>
+              <a:lightRig rig="threePt" dir="t"/>
+            </a:scene3d>
+            <a:sp3d>
+              <a:bevelT/>
+            </a:sp3d>
+          </p:spPr>
+          <p:style>
+            <a:lnRef idx="2">
+              <a:schemeClr val="accent1">
+                <a:shade val="50000"/>
+              </a:schemeClr>
+            </a:lnRef>
+            <a:fillRef idx="1">
+              <a:schemeClr val="accent1"/>
+            </a:fillRef>
+            <a:effectRef idx="0">
+              <a:schemeClr val="accent1"/>
+            </a:effectRef>
+            <a:fontRef idx="minor">
+              <a:schemeClr val="lt1"/>
+            </a:fontRef>
+          </p:style>
+          <p:txBody>
+            <a:bodyPr rtlCol="0" anchor="ctr"/>
+            <a:lstStyle/>
+            <a:p>
+              <a:pPr algn="ctr"/>
+              <a:endParaRPr lang="it-IT"/>
+            </a:p>
+          </p:txBody>
+        </p:sp>
+        <p:sp>
+          <p:nvSpPr>
+            <p:cNvPr id="25" name="5-Point Star 24"/>
+            <p:cNvSpPr/>
+            <p:nvPr/>
+          </p:nvSpPr>
+          <p:spPr>
+            <a:xfrm>
+              <a:off x="6948264" y="5229200"/>
+              <a:ext cx="576064" cy="504056"/>
+            </a:xfrm>
+            <a:prstGeom prst="star5">
+              <a:avLst/>
+            </a:prstGeom>
+            <a:noFill/>
+            <a:ln>
+              <a:solidFill>
+                <a:srgbClr val="3022EA"/>
+              </a:solidFill>
+            </a:ln>
+            <a:effectLst>
+              <a:outerShdw blurRad="38100" dist="50800" sx="1000" sy="1000" algn="ctr" rotWithShape="0">
+                <a:srgbClr val="000000"/>
+              </a:outerShdw>
+            </a:effectLst>
+            <a:scene3d>
+              <a:camera prst="orthographicFront"/>
+              <a:lightRig rig="threePt" dir="t"/>
+            </a:scene3d>
+            <a:sp3d>
+              <a:bevelT/>
+            </a:sp3d>
+          </p:spPr>
+          <p:style>
+            <a:lnRef idx="2">
+              <a:schemeClr val="accent1">
+                <a:shade val="50000"/>
+              </a:schemeClr>
+            </a:lnRef>
+            <a:fillRef idx="1">
+              <a:schemeClr val="accent1"/>
+            </a:fillRef>
+            <a:effectRef idx="0">
+              <a:schemeClr val="accent1"/>
+            </a:effectRef>
+            <a:fontRef idx="minor">
+              <a:schemeClr val="lt1"/>
+            </a:fontRef>
+          </p:style>
+          <p:txBody>
+            <a:bodyPr rtlCol="0" anchor="ctr"/>
+            <a:lstStyle/>
+            <a:p>
+              <a:pPr algn="ctr"/>
+              <a:endParaRPr lang="it-IT"/>
+            </a:p>
+          </p:txBody>
+        </p:sp>
+        <p:sp>
+          <p:nvSpPr>
+            <p:cNvPr id="26" name="5-Point Star 25"/>
+            <p:cNvSpPr/>
+            <p:nvPr/>
+          </p:nvSpPr>
+          <p:spPr>
+            <a:xfrm>
+              <a:off x="7596336" y="5229200"/>
+              <a:ext cx="576064" cy="504056"/>
+            </a:xfrm>
+            <a:prstGeom prst="star5">
+              <a:avLst/>
+            </a:prstGeom>
+            <a:noFill/>
+            <a:ln>
+              <a:solidFill>
+                <a:srgbClr val="3022EA"/>
+              </a:solidFill>
+            </a:ln>
+            <a:effectLst>
+              <a:outerShdw blurRad="38100" dist="50800" sx="1000" sy="1000" algn="ctr" rotWithShape="0">
+                <a:srgbClr val="000000"/>
+              </a:outerShdw>
+            </a:effectLst>
+            <a:scene3d>
+              <a:camera prst="orthographicFront"/>
+              <a:lightRig rig="threePt" dir="t"/>
+            </a:scene3d>
+            <a:sp3d>
+              <a:bevelT/>
+            </a:sp3d>
+          </p:spPr>
+          <p:style>
+            <a:lnRef idx="2">
+              <a:schemeClr val="accent1">
+                <a:shade val="50000"/>
+              </a:schemeClr>
+            </a:lnRef>
+            <a:fillRef idx="1">
+              <a:schemeClr val="accent1"/>
+            </a:fillRef>
+            <a:effectRef idx="0">
+              <a:schemeClr val="accent1"/>
+            </a:effectRef>
+            <a:fontRef idx="minor">
+              <a:schemeClr val="lt1"/>
+            </a:fontRef>
+          </p:style>
+          <p:txBody>
+            <a:bodyPr rtlCol="0" anchor="ctr"/>
+            <a:lstStyle/>
+            <a:p>
+              <a:pPr algn="ctr"/>
+              <a:endParaRPr lang="it-IT"/>
+            </a:p>
+          </p:txBody>
+        </p:sp>
+      </p:grpSp>
     </p:spTree>
   </p:cSld>
   <p:clrMapOvr>
@@ -4005,7 +4301,7 @@
           <p:nvPr/>
         </p:nvPicPr>
         <p:blipFill>
-          <a:blip r:embed="rId2"/>
+          <a:blip r:embed="rId2" cstate="print"/>
           <a:stretch>
             <a:fillRect/>
           </a:stretch>
@@ -4551,7 +4847,7 @@
               <a:avLst/>
             </a:prstGeom>
             <a:blipFill dpi="0" rotWithShape="1">
-              <a:blip r:embed="rId2"/>
+              <a:blip r:embed="rId2" cstate="print"/>
               <a:srcRect/>
               <a:stretch>
                 <a:fillRect/>

--- a/Resources/Presentation.pptx
+++ b/Resources/Presentation.pptx
@@ -6,9 +6,6 @@
   </p:sldMasterIdLst>
   <p:sldIdLst>
     <p:sldId id="256" r:id="rId2"/>
-    <p:sldId id="257" r:id="rId3"/>
-    <p:sldId id="258" r:id="rId4"/>
-    <p:sldId id="260" r:id="rId5"/>
   </p:sldIdLst>
   <p:sldSz cx="9144000" cy="6858000" type="screen4x3"/>
   <p:notesSz cx="6858000" cy="9144000"/>
@@ -292,7 +289,7 @@
             <a:fld id="{46746A40-33FF-4008-BBD0-53CD98C4BB29}" type="datetimeFigureOut">
               <a:rPr lang="en-US" smtClean="0"/>
               <a:pPr/>
-              <a:t>12/15/2010</a:t>
+              <a:t>3/13/2011</a:t>
             </a:fld>
             <a:endParaRPr lang="en-US"/>
           </a:p>
@@ -335,7 +332,7 @@
             <a:fld id="{A2B6C6B8-CE8A-40EE-86B7-C6690396086C}" type="slidenum">
               <a:rPr lang="en-US" smtClean="0"/>
               <a:pPr/>
-              <a:t>‹#›</a:t>
+              <a:t>‹N›</a:t>
             </a:fld>
             <a:endParaRPr lang="en-US"/>
           </a:p>
@@ -459,7 +456,7 @@
             <a:fld id="{46746A40-33FF-4008-BBD0-53CD98C4BB29}" type="datetimeFigureOut">
               <a:rPr lang="en-US" smtClean="0"/>
               <a:pPr/>
-              <a:t>12/15/2010</a:t>
+              <a:t>3/13/2011</a:t>
             </a:fld>
             <a:endParaRPr lang="en-US"/>
           </a:p>
@@ -502,7 +499,7 @@
             <a:fld id="{A2B6C6B8-CE8A-40EE-86B7-C6690396086C}" type="slidenum">
               <a:rPr lang="en-US" smtClean="0"/>
               <a:pPr/>
-              <a:t>‹#›</a:t>
+              <a:t>‹N›</a:t>
             </a:fld>
             <a:endParaRPr lang="en-US"/>
           </a:p>
@@ -636,7 +633,7 @@
             <a:fld id="{46746A40-33FF-4008-BBD0-53CD98C4BB29}" type="datetimeFigureOut">
               <a:rPr lang="en-US" smtClean="0"/>
               <a:pPr/>
-              <a:t>12/15/2010</a:t>
+              <a:t>3/13/2011</a:t>
             </a:fld>
             <a:endParaRPr lang="en-US"/>
           </a:p>
@@ -679,7 +676,7 @@
             <a:fld id="{A2B6C6B8-CE8A-40EE-86B7-C6690396086C}" type="slidenum">
               <a:rPr lang="en-US" smtClean="0"/>
               <a:pPr/>
-              <a:t>‹#›</a:t>
+              <a:t>‹N›</a:t>
             </a:fld>
             <a:endParaRPr lang="en-US"/>
           </a:p>
@@ -803,7 +800,7 @@
             <a:fld id="{46746A40-33FF-4008-BBD0-53CD98C4BB29}" type="datetimeFigureOut">
               <a:rPr lang="en-US" smtClean="0"/>
               <a:pPr/>
-              <a:t>12/15/2010</a:t>
+              <a:t>3/13/2011</a:t>
             </a:fld>
             <a:endParaRPr lang="en-US"/>
           </a:p>
@@ -846,7 +843,7 @@
             <a:fld id="{A2B6C6B8-CE8A-40EE-86B7-C6690396086C}" type="slidenum">
               <a:rPr lang="en-US" smtClean="0"/>
               <a:pPr/>
-              <a:t>‹#›</a:t>
+              <a:t>‹N›</a:t>
             </a:fld>
             <a:endParaRPr lang="en-US"/>
           </a:p>
@@ -1046,7 +1043,7 @@
             <a:fld id="{46746A40-33FF-4008-BBD0-53CD98C4BB29}" type="datetimeFigureOut">
               <a:rPr lang="en-US" smtClean="0"/>
               <a:pPr/>
-              <a:t>12/15/2010</a:t>
+              <a:t>3/13/2011</a:t>
             </a:fld>
             <a:endParaRPr lang="en-US"/>
           </a:p>
@@ -1089,7 +1086,7 @@
             <a:fld id="{A2B6C6B8-CE8A-40EE-86B7-C6690396086C}" type="slidenum">
               <a:rPr lang="en-US" smtClean="0"/>
               <a:pPr/>
-              <a:t>‹#›</a:t>
+              <a:t>‹N›</a:t>
             </a:fld>
             <a:endParaRPr lang="en-US"/>
           </a:p>
@@ -1331,7 +1328,7 @@
             <a:fld id="{46746A40-33FF-4008-BBD0-53CD98C4BB29}" type="datetimeFigureOut">
               <a:rPr lang="en-US" smtClean="0"/>
               <a:pPr/>
-              <a:t>12/15/2010</a:t>
+              <a:t>3/13/2011</a:t>
             </a:fld>
             <a:endParaRPr lang="en-US"/>
           </a:p>
@@ -1374,7 +1371,7 @@
             <a:fld id="{A2B6C6B8-CE8A-40EE-86B7-C6690396086C}" type="slidenum">
               <a:rPr lang="en-US" smtClean="0"/>
               <a:pPr/>
-              <a:t>‹#›</a:t>
+              <a:t>‹N›</a:t>
             </a:fld>
             <a:endParaRPr lang="en-US"/>
           </a:p>
@@ -1750,7 +1747,7 @@
             <a:fld id="{46746A40-33FF-4008-BBD0-53CD98C4BB29}" type="datetimeFigureOut">
               <a:rPr lang="en-US" smtClean="0"/>
               <a:pPr/>
-              <a:t>12/15/2010</a:t>
+              <a:t>3/13/2011</a:t>
             </a:fld>
             <a:endParaRPr lang="en-US"/>
           </a:p>
@@ -1793,7 +1790,7 @@
             <a:fld id="{A2B6C6B8-CE8A-40EE-86B7-C6690396086C}" type="slidenum">
               <a:rPr lang="en-US" smtClean="0"/>
               <a:pPr/>
-              <a:t>‹#›</a:t>
+              <a:t>‹N›</a:t>
             </a:fld>
             <a:endParaRPr lang="en-US"/>
           </a:p>
@@ -1865,7 +1862,7 @@
             <a:fld id="{46746A40-33FF-4008-BBD0-53CD98C4BB29}" type="datetimeFigureOut">
               <a:rPr lang="en-US" smtClean="0"/>
               <a:pPr/>
-              <a:t>12/15/2010</a:t>
+              <a:t>3/13/2011</a:t>
             </a:fld>
             <a:endParaRPr lang="en-US"/>
           </a:p>
@@ -1908,7 +1905,7 @@
             <a:fld id="{A2B6C6B8-CE8A-40EE-86B7-C6690396086C}" type="slidenum">
               <a:rPr lang="en-US" smtClean="0"/>
               <a:pPr/>
-              <a:t>‹#›</a:t>
+              <a:t>‹N›</a:t>
             </a:fld>
             <a:endParaRPr lang="en-US"/>
           </a:p>
@@ -1957,7 +1954,7 @@
             <a:fld id="{46746A40-33FF-4008-BBD0-53CD98C4BB29}" type="datetimeFigureOut">
               <a:rPr lang="en-US" smtClean="0"/>
               <a:pPr/>
-              <a:t>12/15/2010</a:t>
+              <a:t>3/13/2011</a:t>
             </a:fld>
             <a:endParaRPr lang="en-US"/>
           </a:p>
@@ -2000,7 +1997,7 @@
             <a:fld id="{A2B6C6B8-CE8A-40EE-86B7-C6690396086C}" type="slidenum">
               <a:rPr lang="en-US" smtClean="0"/>
               <a:pPr/>
-              <a:t>‹#›</a:t>
+              <a:t>‹N›</a:t>
             </a:fld>
             <a:endParaRPr lang="en-US"/>
           </a:p>
@@ -2231,7 +2228,7 @@
             <a:fld id="{46746A40-33FF-4008-BBD0-53CD98C4BB29}" type="datetimeFigureOut">
               <a:rPr lang="en-US" smtClean="0"/>
               <a:pPr/>
-              <a:t>12/15/2010</a:t>
+              <a:t>3/13/2011</a:t>
             </a:fld>
             <a:endParaRPr lang="en-US"/>
           </a:p>
@@ -2274,7 +2271,7 @@
             <a:fld id="{A2B6C6B8-CE8A-40EE-86B7-C6690396086C}" type="slidenum">
               <a:rPr lang="en-US" smtClean="0"/>
               <a:pPr/>
-              <a:t>‹#›</a:t>
+              <a:t>‹N›</a:t>
             </a:fld>
             <a:endParaRPr lang="en-US"/>
           </a:p>
@@ -2481,7 +2478,7 @@
             <a:fld id="{46746A40-33FF-4008-BBD0-53CD98C4BB29}" type="datetimeFigureOut">
               <a:rPr lang="en-US" smtClean="0"/>
               <a:pPr/>
-              <a:t>12/15/2010</a:t>
+              <a:t>3/13/2011</a:t>
             </a:fld>
             <a:endParaRPr lang="en-US"/>
           </a:p>
@@ -2524,7 +2521,7 @@
             <a:fld id="{A2B6C6B8-CE8A-40EE-86B7-C6690396086C}" type="slidenum">
               <a:rPr lang="en-US" smtClean="0"/>
               <a:pPr/>
-              <a:t>‹#›</a:t>
+              <a:t>‹N›</a:t>
             </a:fld>
             <a:endParaRPr lang="en-US"/>
           </a:p>
@@ -2691,7 +2688,7 @@
             <a:fld id="{46746A40-33FF-4008-BBD0-53CD98C4BB29}" type="datetimeFigureOut">
               <a:rPr lang="en-US" smtClean="0"/>
               <a:pPr/>
-              <a:t>12/15/2010</a:t>
+              <a:t>3/13/2011</a:t>
             </a:fld>
             <a:endParaRPr lang="en-US"/>
           </a:p>
@@ -2770,7 +2767,7 @@
             <a:fld id="{A2B6C6B8-CE8A-40EE-86B7-C6690396086C}" type="slidenum">
               <a:rPr lang="en-US" smtClean="0"/>
               <a:pPr/>
-              <a:t>‹#›</a:t>
+              <a:t>‹N›</a:t>
             </a:fld>
             <a:endParaRPr lang="en-US"/>
           </a:p>
@@ -3064,242 +3061,6 @@
       </p:grpSpPr>
       <p:sp>
         <p:nvSpPr>
-          <p:cNvPr id="5" name="TextBox 4"/>
-          <p:cNvSpPr txBox="1"/>
-          <p:nvPr/>
-        </p:nvSpPr>
-        <p:spPr>
-          <a:xfrm>
-            <a:off x="3071802" y="3357560"/>
-            <a:ext cx="1440000" cy="360000"/>
-          </a:xfrm>
-          <a:prstGeom prst="rect">
-            <a:avLst/>
-          </a:prstGeom>
-          <a:noFill/>
-          <a:ln cap="rnd">
-            <a:noFill/>
-          </a:ln>
-          <a:effectLst>
-            <a:outerShdw blurRad="50800" dist="177800" dir="19080000" algn="ctr" rotWithShape="0">
-              <a:schemeClr val="bg1">
-                <a:lumMod val="65000"/>
-                <a:alpha val="92000"/>
-              </a:schemeClr>
-            </a:outerShdw>
-          </a:effectLst>
-          <a:scene3d>
-            <a:camera prst="orthographicFront"/>
-            <a:lightRig rig="threePt" dir="t"/>
-          </a:scene3d>
-          <a:sp3d>
-            <a:bevelT/>
-          </a:sp3d>
-        </p:spPr>
-        <p:txBody>
-          <a:bodyPr wrap="square" rtlCol="0">
-            <a:spAutoFit/>
-          </a:bodyPr>
-          <a:lstStyle/>
-          <a:p>
-            <a:pPr algn="ctr"/>
-            <a:r>
-              <a:rPr lang="en-US" sz="1400" b="1" dirty="0" err="1" smtClean="0">
-                <a:solidFill>
-                  <a:srgbClr val="00B050"/>
-                </a:solidFill>
-                <a:latin typeface="Verdana" pitchFamily="34" charset="0"/>
-              </a:rPr>
-              <a:t>Percorsi</a:t>
-            </a:r>
-            <a:endParaRPr lang="en-US" sz="1400" b="1" dirty="0">
-              <a:solidFill>
-                <a:srgbClr val="00B050"/>
-              </a:solidFill>
-              <a:latin typeface="Verdana" pitchFamily="34" charset="0"/>
-            </a:endParaRPr>
-          </a:p>
-        </p:txBody>
-      </p:sp>
-      <p:sp>
-        <p:nvSpPr>
-          <p:cNvPr id="6" name="TextBox 5"/>
-          <p:cNvSpPr txBox="1"/>
-          <p:nvPr/>
-        </p:nvSpPr>
-        <p:spPr>
-          <a:xfrm>
-            <a:off x="3000364" y="3786188"/>
-            <a:ext cx="1440000" cy="360000"/>
-          </a:xfrm>
-          <a:prstGeom prst="rect">
-            <a:avLst/>
-          </a:prstGeom>
-          <a:noFill/>
-          <a:ln cap="rnd">
-            <a:noFill/>
-          </a:ln>
-          <a:effectLst>
-            <a:outerShdw blurRad="50800" dist="177800" dir="19080000" algn="ctr" rotWithShape="0">
-              <a:schemeClr val="bg1">
-                <a:lumMod val="65000"/>
-                <a:alpha val="92000"/>
-              </a:schemeClr>
-            </a:outerShdw>
-          </a:effectLst>
-          <a:scene3d>
-            <a:camera prst="orthographicFront"/>
-            <a:lightRig rig="threePt" dir="t"/>
-          </a:scene3d>
-          <a:sp3d>
-            <a:bevelT/>
-          </a:sp3d>
-        </p:spPr>
-        <p:txBody>
-          <a:bodyPr wrap="square" rtlCol="0">
-            <a:spAutoFit/>
-          </a:bodyPr>
-          <a:lstStyle/>
-          <a:p>
-            <a:pPr algn="ctr"/>
-            <a:r>
-              <a:rPr lang="en-US" sz="1400" b="1" dirty="0" err="1" smtClean="0">
-                <a:solidFill>
-                  <a:srgbClr val="00B050"/>
-                </a:solidFill>
-                <a:latin typeface="Verdana" pitchFamily="34" charset="0"/>
-              </a:rPr>
-              <a:t>Eventi</a:t>
-            </a:r>
-            <a:endParaRPr lang="en-US" sz="1400" b="1" dirty="0">
-              <a:solidFill>
-                <a:srgbClr val="00B050"/>
-              </a:solidFill>
-              <a:latin typeface="Verdana" pitchFamily="34" charset="0"/>
-            </a:endParaRPr>
-          </a:p>
-        </p:txBody>
-      </p:sp>
-      <p:sp>
-        <p:nvSpPr>
-          <p:cNvPr id="7" name="TextBox 6"/>
-          <p:cNvSpPr txBox="1"/>
-          <p:nvPr/>
-        </p:nvSpPr>
-        <p:spPr>
-          <a:xfrm>
-            <a:off x="3000364" y="4214816"/>
-            <a:ext cx="1440000" cy="360000"/>
-          </a:xfrm>
-          <a:prstGeom prst="rect">
-            <a:avLst/>
-          </a:prstGeom>
-          <a:noFill/>
-          <a:ln cap="rnd">
-            <a:noFill/>
-          </a:ln>
-          <a:effectLst>
-            <a:outerShdw blurRad="50800" dist="177800" dir="19080000" algn="ctr" rotWithShape="0">
-              <a:schemeClr val="bg1">
-                <a:lumMod val="65000"/>
-                <a:alpha val="92000"/>
-              </a:schemeClr>
-            </a:outerShdw>
-          </a:effectLst>
-          <a:scene3d>
-            <a:camera prst="orthographicFront"/>
-            <a:lightRig rig="threePt" dir="t"/>
-          </a:scene3d>
-          <a:sp3d>
-            <a:bevelT/>
-          </a:sp3d>
-        </p:spPr>
-        <p:txBody>
-          <a:bodyPr wrap="square" rtlCol="0">
-            <a:spAutoFit/>
-          </a:bodyPr>
-          <a:lstStyle/>
-          <a:p>
-            <a:pPr algn="ctr"/>
-            <a:r>
-              <a:rPr lang="en-US" sz="1400" b="1" dirty="0" smtClean="0">
-                <a:solidFill>
-                  <a:srgbClr val="00B050"/>
-                </a:solidFill>
-                <a:latin typeface="Verdana" pitchFamily="34" charset="0"/>
-              </a:rPr>
-              <a:t>Links</a:t>
-            </a:r>
-            <a:endParaRPr lang="en-US" sz="1400" b="1" dirty="0">
-              <a:solidFill>
-                <a:srgbClr val="00B050"/>
-              </a:solidFill>
-              <a:latin typeface="Verdana" pitchFamily="34" charset="0"/>
-            </a:endParaRPr>
-          </a:p>
-        </p:txBody>
-      </p:sp>
-      <p:sp>
-        <p:nvSpPr>
-          <p:cNvPr id="8" name="TextBox 7"/>
-          <p:cNvSpPr txBox="1"/>
-          <p:nvPr/>
-        </p:nvSpPr>
-        <p:spPr>
-          <a:xfrm>
-            <a:off x="3143240" y="4857758"/>
-            <a:ext cx="1440000" cy="360000"/>
-          </a:xfrm>
-          <a:prstGeom prst="rect">
-            <a:avLst/>
-          </a:prstGeom>
-          <a:noFill/>
-          <a:ln cap="rnd">
-            <a:noFill/>
-          </a:ln>
-          <a:effectLst>
-            <a:outerShdw blurRad="50800" dist="177800" dir="19080000" algn="ctr" rotWithShape="0">
-              <a:schemeClr val="bg1">
-                <a:lumMod val="65000"/>
-                <a:alpha val="92000"/>
-              </a:schemeClr>
-            </a:outerShdw>
-          </a:effectLst>
-          <a:scene3d>
-            <a:camera prst="orthographicFront"/>
-            <a:lightRig rig="threePt" dir="t"/>
-          </a:scene3d>
-          <a:sp3d>
-            <a:bevelT/>
-          </a:sp3d>
-        </p:spPr>
-        <p:txBody>
-          <a:bodyPr wrap="square" rtlCol="0">
-            <a:spAutoFit/>
-          </a:bodyPr>
-          <a:lstStyle/>
-          <a:p>
-            <a:pPr algn="ctr"/>
-            <a:r>
-              <a:rPr lang="en-US" sz="1400" b="1" dirty="0" err="1" smtClean="0">
-                <a:solidFill>
-                  <a:srgbClr val="00B050"/>
-                </a:solidFill>
-                <a:latin typeface="Verdana" pitchFamily="34" charset="0"/>
-              </a:rPr>
-              <a:t>Contattaci</a:t>
-            </a:r>
-            <a:endParaRPr lang="en-US" sz="1400" b="1" dirty="0">
-              <a:solidFill>
-                <a:srgbClr val="00B050"/>
-              </a:solidFill>
-              <a:latin typeface="Verdana" pitchFamily="34" charset="0"/>
-            </a:endParaRPr>
-          </a:p>
-        </p:txBody>
-      </p:sp>
-      <p:sp>
-        <p:nvSpPr>
           <p:cNvPr id="9" name="TextBox 8"/>
           <p:cNvSpPr txBox="1"/>
           <p:nvPr/>
@@ -3357,68 +3118,6 @@
             <a:endParaRPr lang="en-US" sz="1400" b="1" dirty="0">
               <a:solidFill>
                 <a:srgbClr val="00B050"/>
-              </a:solidFill>
-              <a:latin typeface="Verdana" pitchFamily="34" charset="0"/>
-            </a:endParaRPr>
-          </a:p>
-        </p:txBody>
-      </p:sp>
-      <p:sp>
-        <p:nvSpPr>
-          <p:cNvPr id="10" name="Rounded Rectangle 9"/>
-          <p:cNvSpPr/>
-          <p:nvPr/>
-        </p:nvSpPr>
-        <p:spPr>
-          <a:xfrm>
-            <a:off x="4714876" y="2285992"/>
-            <a:ext cx="1428760" cy="428628"/>
-          </a:xfrm>
-          <a:prstGeom prst="roundRect">
-            <a:avLst/>
-          </a:prstGeom>
-          <a:ln/>
-        </p:spPr>
-        <p:style>
-          <a:lnRef idx="0">
-            <a:schemeClr val="accent3"/>
-          </a:lnRef>
-          <a:fillRef idx="3">
-            <a:schemeClr val="accent3"/>
-          </a:fillRef>
-          <a:effectRef idx="3">
-            <a:schemeClr val="accent3"/>
-          </a:effectRef>
-          <a:fontRef idx="minor">
-            <a:schemeClr val="lt1"/>
-          </a:fontRef>
-        </p:style>
-        <p:txBody>
-          <a:bodyPr rtlCol="0" anchor="ctr"/>
-          <a:lstStyle/>
-          <a:p>
-            <a:pPr algn="ctr"/>
-            <a:r>
-              <a:rPr lang="en-US" sz="1600" dirty="0" smtClean="0">
-                <a:solidFill>
-                  <a:srgbClr val="3022EA"/>
-                </a:solidFill>
-                <a:latin typeface="Verdana" pitchFamily="34" charset="0"/>
-              </a:rPr>
-              <a:t>Chi </a:t>
-            </a:r>
-            <a:r>
-              <a:rPr lang="en-US" sz="1600" dirty="0" err="1" smtClean="0">
-                <a:solidFill>
-                  <a:srgbClr val="3022EA"/>
-                </a:solidFill>
-                <a:latin typeface="Verdana" pitchFamily="34" charset="0"/>
-              </a:rPr>
-              <a:t>siamo</a:t>
-            </a:r>
-            <a:endParaRPr lang="en-US" sz="1600" dirty="0">
-              <a:solidFill>
-                <a:srgbClr val="3022EA"/>
               </a:solidFill>
               <a:latin typeface="Verdana" pitchFamily="34" charset="0"/>
             </a:endParaRPr>
@@ -3790,19 +3489,57 @@
       </p:grpSp>
       <p:sp>
         <p:nvSpPr>
-          <p:cNvPr id="20" name="Rounded Rectangle 19"/>
+          <p:cNvPr id="21" name="Rounded Rectangle 20"/>
           <p:cNvSpPr/>
           <p:nvPr/>
         </p:nvSpPr>
         <p:spPr>
           <a:xfrm>
-            <a:off x="4714876" y="2928934"/>
-            <a:ext cx="2000264" cy="428628"/>
+            <a:off x="2699792" y="1628800"/>
+            <a:ext cx="5904656" cy="3312368"/>
           </a:xfrm>
           <a:prstGeom prst="roundRect">
             <a:avLst/>
           </a:prstGeom>
+          <a:gradFill>
+            <a:gsLst>
+              <a:gs pos="0">
+                <a:srgbClr val="5E9EFF"/>
+              </a:gs>
+              <a:gs pos="39999">
+                <a:srgbClr val="85C2FF"/>
+              </a:gs>
+              <a:gs pos="70000">
+                <a:srgbClr val="C4D6EB"/>
+              </a:gs>
+              <a:gs pos="100000">
+                <a:srgbClr val="FFEBFA"/>
+              </a:gs>
+            </a:gsLst>
+            <a:lin ang="5400000" scaled="0"/>
+          </a:gradFill>
           <a:ln/>
+          <a:effectLst>
+            <a:outerShdw blurRad="50800" dist="127000" dir="3060000" algn="l" rotWithShape="0">
+              <a:prstClr val="black">
+                <a:alpha val="40000"/>
+              </a:prstClr>
+            </a:outerShdw>
+          </a:effectLst>
+          <a:scene3d>
+            <a:camera prst="orthographicFront">
+              <a:rot lat="0" lon="0" rev="0"/>
+            </a:camera>
+            <a:lightRig rig="threePt" dir="t">
+              <a:rot lat="0" lon="0" rev="1200000"/>
+            </a:lightRig>
+          </a:scene3d>
+          <a:sp3d extrusionH="76200">
+            <a:bevelT w="63500" h="25400"/>
+            <a:extrusionClr>
+              <a:srgbClr val="3022EA"/>
+            </a:extrusionClr>
+          </a:sp3d>
         </p:spPr>
         <p:style>
           <a:lnRef idx="0">
@@ -3823,139 +3560,9 @@
           <a:lstStyle/>
           <a:p>
             <a:pPr algn="ctr"/>
-            <a:r>
-              <a:rPr lang="en-US" dirty="0" smtClean="0">
-                <a:solidFill>
-                  <a:srgbClr val="3022EA"/>
-                </a:solidFill>
-                <a:latin typeface="Verdana" pitchFamily="34" charset="0"/>
-              </a:rPr>
-              <a:t>Chi </a:t>
-            </a:r>
-            <a:r>
-              <a:rPr lang="en-US" dirty="0" err="1" smtClean="0">
-                <a:solidFill>
-                  <a:srgbClr val="3022EA"/>
-                </a:solidFill>
-                <a:latin typeface="Verdana" pitchFamily="34" charset="0"/>
-              </a:rPr>
-              <a:t>Siamo</a:t>
-            </a:r>
             <a:endParaRPr lang="en-US" dirty="0">
               <a:solidFill>
                 <a:srgbClr val="3022EA"/>
-              </a:solidFill>
-              <a:latin typeface="Verdana" pitchFamily="34" charset="0"/>
-            </a:endParaRPr>
-          </a:p>
-        </p:txBody>
-      </p:sp>
-      <p:sp>
-        <p:nvSpPr>
-          <p:cNvPr id="21" name="Rounded Rectangle 20"/>
-          <p:cNvSpPr/>
-          <p:nvPr/>
-        </p:nvSpPr>
-        <p:spPr>
-          <a:xfrm>
-            <a:off x="4857752" y="3786190"/>
-            <a:ext cx="2000264" cy="428628"/>
-          </a:xfrm>
-          <a:prstGeom prst="roundRect">
-            <a:avLst/>
-          </a:prstGeom>
-          <a:ln/>
-        </p:spPr>
-        <p:style>
-          <a:lnRef idx="0">
-            <a:schemeClr val="accent3"/>
-          </a:lnRef>
-          <a:fillRef idx="3">
-            <a:schemeClr val="accent3"/>
-          </a:fillRef>
-          <a:effectRef idx="3">
-            <a:schemeClr val="accent3"/>
-          </a:effectRef>
-          <a:fontRef idx="minor">
-            <a:schemeClr val="lt1"/>
-          </a:fontRef>
-        </p:style>
-        <p:txBody>
-          <a:bodyPr rtlCol="0" anchor="ctr"/>
-          <a:lstStyle/>
-          <a:p>
-            <a:pPr algn="ctr"/>
-            <a:endParaRPr lang="en-US" dirty="0">
-              <a:solidFill>
-                <a:srgbClr val="3022EA"/>
-              </a:solidFill>
-              <a:latin typeface="Verdana" pitchFamily="34" charset="0"/>
-            </a:endParaRPr>
-          </a:p>
-        </p:txBody>
-      </p:sp>
-      <p:sp>
-        <p:nvSpPr>
-          <p:cNvPr id="4" name="TextBox 3"/>
-          <p:cNvSpPr txBox="1"/>
-          <p:nvPr/>
-        </p:nvSpPr>
-        <p:spPr>
-          <a:xfrm>
-            <a:off x="2714612" y="2500304"/>
-            <a:ext cx="1440000" cy="360000"/>
-          </a:xfrm>
-          <a:prstGeom prst="rect">
-            <a:avLst/>
-          </a:prstGeom>
-          <a:noFill/>
-          <a:ln cap="rnd">
-            <a:noFill/>
-          </a:ln>
-          <a:effectLst>
-            <a:outerShdw blurRad="50800" dist="177800" dir="19080000" algn="ctr" rotWithShape="0">
-              <a:schemeClr val="bg1">
-                <a:lumMod val="65000"/>
-                <a:alpha val="92000"/>
-              </a:schemeClr>
-            </a:outerShdw>
-          </a:effectLst>
-          <a:scene3d>
-            <a:camera prst="orthographicFront"/>
-            <a:lightRig rig="threePt" dir="t"/>
-          </a:scene3d>
-          <a:sp3d>
-            <a:bevelT/>
-          </a:sp3d>
-        </p:spPr>
-        <p:txBody>
-          <a:bodyPr wrap="square" rtlCol="0">
-            <a:spAutoFit/>
-          </a:bodyPr>
-          <a:lstStyle/>
-          <a:p>
-            <a:pPr algn="ctr"/>
-            <a:r>
-              <a:rPr lang="en-US" sz="1400" b="1" dirty="0" smtClean="0">
-                <a:solidFill>
-                  <a:srgbClr val="00B050"/>
-                </a:solidFill>
-                <a:latin typeface="Verdana" pitchFamily="34" charset="0"/>
-              </a:rPr>
-              <a:t>Chi </a:t>
-            </a:r>
-            <a:r>
-              <a:rPr lang="en-US" sz="1400" b="1" dirty="0" err="1" smtClean="0">
-                <a:solidFill>
-                  <a:srgbClr val="00B050"/>
-                </a:solidFill>
-                <a:latin typeface="Verdana" pitchFamily="34" charset="0"/>
-              </a:rPr>
-              <a:t>siamo</a:t>
-            </a:r>
-            <a:endParaRPr lang="en-US" sz="1400" b="1" dirty="0">
-              <a:solidFill>
-                <a:srgbClr val="00B050"/>
               </a:solidFill>
               <a:latin typeface="Verdana" pitchFamily="34" charset="0"/>
             </a:endParaRPr>
@@ -4275,787 +3882,6 @@
 </p:sld>
 </file>
 
-<file path=ppt/slides/slide2.xml><?xml version="1.0" encoding="utf-8"?>
-<p:sld xmlns:a="http://schemas.openxmlformats.org/drawingml/2006/main" xmlns:r="http://schemas.openxmlformats.org/officeDocument/2006/relationships" xmlns:p="http://schemas.openxmlformats.org/presentationml/2006/main">
-  <p:cSld>
-    <p:spTree>
-      <p:nvGrpSpPr>
-        <p:cNvPr id="1" name=""/>
-        <p:cNvGrpSpPr/>
-        <p:nvPr/>
-      </p:nvGrpSpPr>
-      <p:grpSpPr>
-        <a:xfrm>
-          <a:off x="0" y="0"/>
-          <a:ext cx="0" cy="0"/>
-          <a:chOff x="0" y="0"/>
-          <a:chExt cx="0" cy="0"/>
-        </a:xfrm>
-      </p:grpSpPr>
-      <p:pic>
-        <p:nvPicPr>
-          <p:cNvPr id="11" name="Picture 10" descr="MontoggioFrame.png"/>
-          <p:cNvPicPr>
-            <a:picLocks noChangeAspect="1"/>
-          </p:cNvPicPr>
-          <p:nvPr/>
-        </p:nvPicPr>
-        <p:blipFill>
-          <a:blip r:embed="rId2" cstate="print"/>
-          <a:stretch>
-            <a:fillRect/>
-          </a:stretch>
-        </p:blipFill>
-        <p:spPr>
-          <a:xfrm>
-            <a:off x="142844" y="0"/>
-            <a:ext cx="8572560" cy="6286520"/>
-          </a:xfrm>
-          <a:prstGeom prst="rect">
-            <a:avLst/>
-          </a:prstGeom>
-          <a:ln>
-            <a:solidFill>
-              <a:schemeClr val="tx1"/>
-            </a:solidFill>
-            <a:round/>
-          </a:ln>
-        </p:spPr>
-      </p:pic>
-      <p:grpSp>
-        <p:nvGrpSpPr>
-          <p:cNvPr id="8" name="Group 7"/>
-          <p:cNvGrpSpPr/>
-          <p:nvPr/>
-        </p:nvGrpSpPr>
-        <p:grpSpPr>
-          <a:xfrm>
-            <a:off x="736064" y="369430"/>
-            <a:ext cx="7528997" cy="5547660"/>
-            <a:chOff x="736064" y="369430"/>
-            <a:chExt cx="7528997" cy="5547660"/>
-          </a:xfrm>
-        </p:grpSpPr>
-        <p:sp>
-          <p:nvSpPr>
-            <p:cNvPr id="12" name="Rounded Rectangle 11"/>
-            <p:cNvSpPr/>
-            <p:nvPr/>
-          </p:nvSpPr>
-          <p:spPr>
-            <a:xfrm>
-              <a:off x="736064" y="369430"/>
-              <a:ext cx="7528997" cy="1882242"/>
-            </a:xfrm>
-            <a:prstGeom prst="roundRect">
-              <a:avLst/>
-            </a:prstGeom>
-            <a:solidFill>
-              <a:srgbClr val="FFFF99"/>
-            </a:solidFill>
-            <a:ln w="12700" cap="rnd">
-              <a:noFill/>
-              <a:bevel/>
-            </a:ln>
-          </p:spPr>
-          <p:style>
-            <a:lnRef idx="2">
-              <a:schemeClr val="accent1">
-                <a:shade val="50000"/>
-              </a:schemeClr>
-            </a:lnRef>
-            <a:fillRef idx="1">
-              <a:schemeClr val="accent1"/>
-            </a:fillRef>
-            <a:effectRef idx="0">
-              <a:schemeClr val="accent1"/>
-            </a:effectRef>
-            <a:fontRef idx="minor">
-              <a:schemeClr val="lt1"/>
-            </a:fontRef>
-          </p:style>
-          <p:txBody>
-            <a:bodyPr rtlCol="0" anchor="ctr"/>
-            <a:lstStyle/>
-            <a:p>
-              <a:pPr algn="ctr"/>
-              <a:endParaRPr lang="en-US"/>
-            </a:p>
-          </p:txBody>
-        </p:sp>
-        <p:sp>
-          <p:nvSpPr>
-            <p:cNvPr id="15" name="Rounded Rectangle 14"/>
-            <p:cNvSpPr/>
-            <p:nvPr/>
-          </p:nvSpPr>
-          <p:spPr>
-            <a:xfrm>
-              <a:off x="736064" y="4034848"/>
-              <a:ext cx="7528997" cy="1882242"/>
-            </a:xfrm>
-            <a:prstGeom prst="roundRect">
-              <a:avLst/>
-            </a:prstGeom>
-            <a:solidFill>
-              <a:srgbClr val="FFFF99"/>
-            </a:solidFill>
-            <a:ln w="12700" cap="rnd">
-              <a:noFill/>
-              <a:bevel/>
-            </a:ln>
-          </p:spPr>
-          <p:style>
-            <a:lnRef idx="2">
-              <a:schemeClr val="accent1">
-                <a:shade val="50000"/>
-              </a:schemeClr>
-            </a:lnRef>
-            <a:fillRef idx="1">
-              <a:schemeClr val="accent1"/>
-            </a:fillRef>
-            <a:effectRef idx="0">
-              <a:schemeClr val="accent1"/>
-            </a:effectRef>
-            <a:fontRef idx="minor">
-              <a:schemeClr val="lt1"/>
-            </a:fontRef>
-          </p:style>
-          <p:txBody>
-            <a:bodyPr rtlCol="0" anchor="ctr"/>
-            <a:lstStyle/>
-            <a:p>
-              <a:pPr algn="ctr"/>
-              <a:endParaRPr lang="en-US"/>
-            </a:p>
-          </p:txBody>
-        </p:sp>
-        <p:sp>
-          <p:nvSpPr>
-            <p:cNvPr id="16" name="Rounded Rectangle 15"/>
-            <p:cNvSpPr/>
-            <p:nvPr/>
-          </p:nvSpPr>
-          <p:spPr>
-            <a:xfrm>
-              <a:off x="736064" y="1558214"/>
-              <a:ext cx="7528997" cy="3269157"/>
-            </a:xfrm>
-            <a:prstGeom prst="roundRect">
-              <a:avLst/>
-            </a:prstGeom>
-            <a:solidFill>
-              <a:srgbClr val="FFFF99"/>
-            </a:solidFill>
-            <a:ln w="12700" cap="rnd">
-              <a:noFill/>
-              <a:bevel/>
-            </a:ln>
-          </p:spPr>
-          <p:style>
-            <a:lnRef idx="2">
-              <a:schemeClr val="accent1">
-                <a:shade val="50000"/>
-              </a:schemeClr>
-            </a:lnRef>
-            <a:fillRef idx="1">
-              <a:schemeClr val="accent1"/>
-            </a:fillRef>
-            <a:effectRef idx="0">
-              <a:schemeClr val="accent1"/>
-            </a:effectRef>
-            <a:fontRef idx="minor">
-              <a:schemeClr val="lt1"/>
-            </a:fontRef>
-          </p:style>
-          <p:txBody>
-            <a:bodyPr rtlCol="0" anchor="ctr"/>
-            <a:lstStyle/>
-            <a:p>
-              <a:pPr algn="ctr"/>
-              <a:endParaRPr lang="en-US"/>
-            </a:p>
-          </p:txBody>
-        </p:sp>
-      </p:grpSp>
-    </p:spTree>
-  </p:cSld>
-  <p:clrMapOvr>
-    <a:masterClrMapping/>
-  </p:clrMapOvr>
-</p:sld>
-</file>
-
-<file path=ppt/slides/slide3.xml><?xml version="1.0" encoding="utf-8"?>
-<p:sld xmlns:a="http://schemas.openxmlformats.org/drawingml/2006/main" xmlns:r="http://schemas.openxmlformats.org/officeDocument/2006/relationships" xmlns:p="http://schemas.openxmlformats.org/presentationml/2006/main">
-  <p:cSld>
-    <p:spTree>
-      <p:nvGrpSpPr>
-        <p:cNvPr id="1" name=""/>
-        <p:cNvGrpSpPr/>
-        <p:nvPr/>
-      </p:nvGrpSpPr>
-      <p:grpSpPr>
-        <a:xfrm>
-          <a:off x="0" y="0"/>
-          <a:ext cx="0" cy="0"/>
-          <a:chOff x="0" y="0"/>
-          <a:chExt cx="0" cy="0"/>
-        </a:xfrm>
-      </p:grpSpPr>
-      <p:grpSp>
-        <p:nvGrpSpPr>
-          <p:cNvPr id="34" name="Group 33"/>
-          <p:cNvGrpSpPr/>
-          <p:nvPr/>
-        </p:nvGrpSpPr>
-        <p:grpSpPr>
-          <a:xfrm>
-            <a:off x="3000362" y="500042"/>
-            <a:ext cx="5347442" cy="5893848"/>
-            <a:chOff x="3000362" y="500042"/>
-            <a:chExt cx="5347442" cy="5893848"/>
-          </a:xfrm>
-        </p:grpSpPr>
-        <p:grpSp>
-          <p:nvGrpSpPr>
-            <p:cNvPr id="26" name="Group 25"/>
-            <p:cNvGrpSpPr/>
-            <p:nvPr/>
-          </p:nvGrpSpPr>
-          <p:grpSpPr>
-            <a:xfrm>
-              <a:off x="3000362" y="500042"/>
-              <a:ext cx="5347442" cy="5893848"/>
-              <a:chOff x="1500166" y="214290"/>
-              <a:chExt cx="5768546" cy="6357982"/>
-            </a:xfrm>
-            <a:blipFill>
-              <a:blip r:embed="rId2"/>
-              <a:stretch>
-                <a:fillRect/>
-              </a:stretch>
-            </a:blipFill>
-            <a:effectLst>
-              <a:outerShdw blurRad="38100" dist="63500" dir="2400000" algn="l" rotWithShape="0">
-                <a:prstClr val="black">
-                  <a:alpha val="40000"/>
-                </a:prstClr>
-              </a:outerShdw>
-            </a:effectLst>
-          </p:grpSpPr>
-          <p:sp>
-            <p:nvSpPr>
-              <p:cNvPr id="6" name="Round Same Side Corner Rectangle 5"/>
-              <p:cNvSpPr>
-                <a:spLocks noChangeAspect="1"/>
-              </p:cNvSpPr>
-              <p:nvPr/>
-            </p:nvSpPr>
-            <p:spPr>
-              <a:xfrm>
-                <a:off x="1500166" y="214290"/>
-                <a:ext cx="5768546" cy="2071702"/>
-              </a:xfrm>
-              <a:prstGeom prst="round2SameRect">
-                <a:avLst/>
-              </a:prstGeom>
-              <a:grpFill/>
-              <a:ln>
-                <a:noFill/>
-              </a:ln>
-              <a:effectLst/>
-            </p:spPr>
-            <p:style>
-              <a:lnRef idx="2">
-                <a:schemeClr val="accent1">
-                  <a:shade val="50000"/>
-                </a:schemeClr>
-              </a:lnRef>
-              <a:fillRef idx="1">
-                <a:schemeClr val="accent1"/>
-              </a:fillRef>
-              <a:effectRef idx="0">
-                <a:schemeClr val="accent1"/>
-              </a:effectRef>
-              <a:fontRef idx="minor">
-                <a:schemeClr val="lt1"/>
-              </a:fontRef>
-            </p:style>
-            <p:txBody>
-              <a:bodyPr rtlCol="0" anchor="ctr"/>
-              <a:lstStyle/>
-              <a:p>
-                <a:pPr algn="ctr"/>
-                <a:endParaRPr lang="en-US"/>
-              </a:p>
-            </p:txBody>
-          </p:sp>
-          <p:sp>
-            <p:nvSpPr>
-              <p:cNvPr id="18" name="Rectangle 17"/>
-              <p:cNvSpPr/>
-              <p:nvPr/>
-            </p:nvSpPr>
-            <p:spPr>
-              <a:xfrm>
-                <a:off x="1500166" y="2214554"/>
-                <a:ext cx="5767200" cy="4357718"/>
-              </a:xfrm>
-              <a:prstGeom prst="rect">
-                <a:avLst/>
-              </a:prstGeom>
-              <a:grpFill/>
-              <a:ln>
-                <a:noFill/>
-              </a:ln>
-            </p:spPr>
-            <p:style>
-              <a:lnRef idx="2">
-                <a:schemeClr val="accent1">
-                  <a:shade val="50000"/>
-                </a:schemeClr>
-              </a:lnRef>
-              <a:fillRef idx="1">
-                <a:schemeClr val="accent1"/>
-              </a:fillRef>
-              <a:effectRef idx="0">
-                <a:schemeClr val="accent1"/>
-              </a:effectRef>
-              <a:fontRef idx="minor">
-                <a:schemeClr val="lt1"/>
-              </a:fontRef>
-            </p:style>
-            <p:txBody>
-              <a:bodyPr rtlCol="0" anchor="ctr"/>
-              <a:lstStyle/>
-              <a:p>
-                <a:pPr algn="ctr"/>
-                <a:endParaRPr lang="en-US"/>
-              </a:p>
-            </p:txBody>
-          </p:sp>
-        </p:grpSp>
-        <p:grpSp>
-          <p:nvGrpSpPr>
-            <p:cNvPr id="29" name="Group 6"/>
-            <p:cNvGrpSpPr/>
-            <p:nvPr/>
-          </p:nvGrpSpPr>
-          <p:grpSpPr>
-            <a:xfrm>
-              <a:off x="3397700" y="2098824"/>
-              <a:ext cx="4569389" cy="3973382"/>
-              <a:chOff x="736064" y="369430"/>
-              <a:chExt cx="7528997" cy="5547660"/>
-            </a:xfrm>
-            <a:solidFill>
-              <a:srgbClr val="FFFF99"/>
-            </a:solidFill>
-            <a:effectLst/>
-          </p:grpSpPr>
-          <p:sp>
-            <p:nvSpPr>
-              <p:cNvPr id="30" name="Rounded Rectangle 29"/>
-              <p:cNvSpPr/>
-              <p:nvPr/>
-            </p:nvSpPr>
-            <p:spPr>
-              <a:xfrm>
-                <a:off x="736064" y="369430"/>
-                <a:ext cx="7528997" cy="1882242"/>
-              </a:xfrm>
-              <a:prstGeom prst="roundRect">
-                <a:avLst/>
-              </a:prstGeom>
-              <a:grpFill/>
-              <a:ln w="12700" cap="rnd">
-                <a:noFill/>
-                <a:bevel/>
-              </a:ln>
-            </p:spPr>
-            <p:style>
-              <a:lnRef idx="2">
-                <a:schemeClr val="accent1">
-                  <a:shade val="50000"/>
-                </a:schemeClr>
-              </a:lnRef>
-              <a:fillRef idx="1">
-                <a:schemeClr val="accent1"/>
-              </a:fillRef>
-              <a:effectRef idx="0">
-                <a:schemeClr val="accent1"/>
-              </a:effectRef>
-              <a:fontRef idx="minor">
-                <a:schemeClr val="lt1"/>
-              </a:fontRef>
-            </p:style>
-            <p:txBody>
-              <a:bodyPr rtlCol="0" anchor="ctr"/>
-              <a:lstStyle/>
-              <a:p>
-                <a:pPr algn="ctr"/>
-                <a:endParaRPr lang="en-US"/>
-              </a:p>
-            </p:txBody>
-          </p:sp>
-          <p:sp>
-            <p:nvSpPr>
-              <p:cNvPr id="31" name="Rounded Rectangle 30"/>
-              <p:cNvSpPr/>
-              <p:nvPr/>
-            </p:nvSpPr>
-            <p:spPr>
-              <a:xfrm>
-                <a:off x="736064" y="4034848"/>
-                <a:ext cx="7528997" cy="1882242"/>
-              </a:xfrm>
-              <a:prstGeom prst="roundRect">
-                <a:avLst/>
-              </a:prstGeom>
-              <a:grpFill/>
-              <a:ln w="12700" cap="rnd">
-                <a:noFill/>
-                <a:bevel/>
-              </a:ln>
-            </p:spPr>
-            <p:style>
-              <a:lnRef idx="2">
-                <a:schemeClr val="accent1">
-                  <a:shade val="50000"/>
-                </a:schemeClr>
-              </a:lnRef>
-              <a:fillRef idx="1">
-                <a:schemeClr val="accent1"/>
-              </a:fillRef>
-              <a:effectRef idx="0">
-                <a:schemeClr val="accent1"/>
-              </a:effectRef>
-              <a:fontRef idx="minor">
-                <a:schemeClr val="lt1"/>
-              </a:fontRef>
-            </p:style>
-            <p:txBody>
-              <a:bodyPr rtlCol="0" anchor="ctr"/>
-              <a:lstStyle/>
-              <a:p>
-                <a:pPr algn="ctr"/>
-                <a:endParaRPr lang="en-US"/>
-              </a:p>
-            </p:txBody>
-          </p:sp>
-          <p:sp>
-            <p:nvSpPr>
-              <p:cNvPr id="32" name="Rounded Rectangle 31"/>
-              <p:cNvSpPr/>
-              <p:nvPr/>
-            </p:nvSpPr>
-            <p:spPr>
-              <a:xfrm>
-                <a:off x="736064" y="1558214"/>
-                <a:ext cx="7528997" cy="3269157"/>
-              </a:xfrm>
-              <a:prstGeom prst="roundRect">
-                <a:avLst/>
-              </a:prstGeom>
-              <a:grpFill/>
-              <a:ln w="12700" cap="rnd">
-                <a:noFill/>
-                <a:bevel/>
-              </a:ln>
-            </p:spPr>
-            <p:style>
-              <a:lnRef idx="2">
-                <a:schemeClr val="accent1">
-                  <a:shade val="50000"/>
-                </a:schemeClr>
-              </a:lnRef>
-              <a:fillRef idx="1">
-                <a:schemeClr val="accent1"/>
-              </a:fillRef>
-              <a:effectRef idx="0">
-                <a:schemeClr val="accent1"/>
-              </a:effectRef>
-              <a:fontRef idx="minor">
-                <a:schemeClr val="lt1"/>
-              </a:fontRef>
-            </p:style>
-            <p:txBody>
-              <a:bodyPr rtlCol="0" anchor="ctr"/>
-              <a:lstStyle/>
-              <a:p>
-                <a:pPr algn="ctr"/>
-                <a:endParaRPr lang="en-US"/>
-              </a:p>
-            </p:txBody>
-          </p:sp>
-        </p:grpSp>
-      </p:grpSp>
-    </p:spTree>
-  </p:cSld>
-  <p:clrMapOvr>
-    <a:masterClrMapping/>
-  </p:clrMapOvr>
-</p:sld>
-</file>
-
-<file path=ppt/slides/slide4.xml><?xml version="1.0" encoding="utf-8"?>
-<p:sld xmlns:a="http://schemas.openxmlformats.org/drawingml/2006/main" xmlns:r="http://schemas.openxmlformats.org/officeDocument/2006/relationships" xmlns:p="http://schemas.openxmlformats.org/presentationml/2006/main">
-  <p:cSld>
-    <p:spTree>
-      <p:nvGrpSpPr>
-        <p:cNvPr id="1" name=""/>
-        <p:cNvGrpSpPr/>
-        <p:nvPr/>
-      </p:nvGrpSpPr>
-      <p:grpSpPr>
-        <a:xfrm>
-          <a:off x="0" y="0"/>
-          <a:ext cx="0" cy="0"/>
-          <a:chOff x="0" y="0"/>
-          <a:chExt cx="0" cy="0"/>
-        </a:xfrm>
-      </p:grpSpPr>
-      <p:grpSp>
-        <p:nvGrpSpPr>
-          <p:cNvPr id="2" name="Group 9"/>
-          <p:cNvGrpSpPr/>
-          <p:nvPr/>
-        </p:nvGrpSpPr>
-        <p:grpSpPr>
-          <a:xfrm>
-            <a:off x="1500166" y="214290"/>
-            <a:ext cx="5768546" cy="6336000"/>
-            <a:chOff x="1500166" y="214290"/>
-            <a:chExt cx="5768546" cy="6336000"/>
-          </a:xfrm>
-        </p:grpSpPr>
-        <p:sp>
-          <p:nvSpPr>
-            <p:cNvPr id="6" name="Round Same Side Corner Rectangle 5"/>
-            <p:cNvSpPr>
-              <a:spLocks noChangeAspect="1"/>
-            </p:cNvSpPr>
-            <p:nvPr/>
-          </p:nvSpPr>
-          <p:spPr>
-            <a:xfrm>
-              <a:off x="1500166" y="214290"/>
-              <a:ext cx="5768546" cy="6336000"/>
-            </a:xfrm>
-            <a:prstGeom prst="round2SameRect">
-              <a:avLst/>
-            </a:prstGeom>
-            <a:blipFill dpi="0" rotWithShape="1">
-              <a:blip r:embed="rId2" cstate="print"/>
-              <a:srcRect/>
-              <a:stretch>
-                <a:fillRect/>
-              </a:stretch>
-            </a:blipFill>
-            <a:effectLst>
-              <a:outerShdw blurRad="50800" dist="38100" dir="2700000" algn="tl" rotWithShape="0">
-                <a:prstClr val="black">
-                  <a:alpha val="88000"/>
-                </a:prstClr>
-              </a:outerShdw>
-            </a:effectLst>
-          </p:spPr>
-          <p:style>
-            <a:lnRef idx="2">
-              <a:schemeClr val="accent1">
-                <a:shade val="50000"/>
-              </a:schemeClr>
-            </a:lnRef>
-            <a:fillRef idx="1">
-              <a:schemeClr val="accent1"/>
-            </a:fillRef>
-            <a:effectRef idx="0">
-              <a:schemeClr val="accent1"/>
-            </a:effectRef>
-            <a:fontRef idx="minor">
-              <a:schemeClr val="lt1"/>
-            </a:fontRef>
-          </p:style>
-          <p:txBody>
-            <a:bodyPr rtlCol="0" anchor="ctr"/>
-            <a:lstStyle/>
-            <a:p>
-              <a:pPr algn="ctr"/>
-              <a:endParaRPr lang="en-US"/>
-            </a:p>
-          </p:txBody>
-        </p:sp>
-        <p:grpSp>
-          <p:nvGrpSpPr>
-            <p:cNvPr id="3" name="Group 6"/>
-            <p:cNvGrpSpPr/>
-            <p:nvPr/>
-          </p:nvGrpSpPr>
-          <p:grpSpPr>
-            <a:xfrm>
-              <a:off x="1928794" y="1857364"/>
-              <a:ext cx="4929222" cy="4286280"/>
-              <a:chOff x="736064" y="369430"/>
-              <a:chExt cx="7528997" cy="5547660"/>
-            </a:xfrm>
-            <a:effectLst>
-              <a:outerShdw blurRad="50800" dist="50800" dir="5400000" algn="ctr" rotWithShape="0">
-                <a:schemeClr val="bg1"/>
-              </a:outerShdw>
-            </a:effectLst>
-          </p:grpSpPr>
-          <p:sp>
-            <p:nvSpPr>
-              <p:cNvPr id="11" name="Rounded Rectangle 10"/>
-              <p:cNvSpPr/>
-              <p:nvPr/>
-            </p:nvSpPr>
-            <p:spPr>
-              <a:xfrm>
-                <a:off x="736064" y="369430"/>
-                <a:ext cx="7528997" cy="1882242"/>
-              </a:xfrm>
-              <a:prstGeom prst="roundRect">
-                <a:avLst/>
-              </a:prstGeom>
-              <a:solidFill>
-                <a:srgbClr val="FFFF99"/>
-              </a:solidFill>
-              <a:ln w="12700" cap="rnd">
-                <a:noFill/>
-                <a:bevel/>
-              </a:ln>
-            </p:spPr>
-            <p:style>
-              <a:lnRef idx="2">
-                <a:schemeClr val="accent1">
-                  <a:shade val="50000"/>
-                </a:schemeClr>
-              </a:lnRef>
-              <a:fillRef idx="1">
-                <a:schemeClr val="accent1"/>
-              </a:fillRef>
-              <a:effectRef idx="0">
-                <a:schemeClr val="accent1"/>
-              </a:effectRef>
-              <a:fontRef idx="minor">
-                <a:schemeClr val="lt1"/>
-              </a:fontRef>
-            </p:style>
-            <p:txBody>
-              <a:bodyPr rtlCol="0" anchor="ctr"/>
-              <a:lstStyle/>
-              <a:p>
-                <a:pPr algn="ctr"/>
-                <a:endParaRPr lang="en-US"/>
-              </a:p>
-            </p:txBody>
-          </p:sp>
-          <p:sp>
-            <p:nvSpPr>
-              <p:cNvPr id="12" name="Rounded Rectangle 11"/>
-              <p:cNvSpPr/>
-              <p:nvPr/>
-            </p:nvSpPr>
-            <p:spPr>
-              <a:xfrm>
-                <a:off x="736064" y="4034848"/>
-                <a:ext cx="7528997" cy="1882242"/>
-              </a:xfrm>
-              <a:prstGeom prst="roundRect">
-                <a:avLst/>
-              </a:prstGeom>
-              <a:solidFill>
-                <a:srgbClr val="FFFF99"/>
-              </a:solidFill>
-              <a:ln w="12700" cap="rnd">
-                <a:noFill/>
-                <a:bevel/>
-              </a:ln>
-            </p:spPr>
-            <p:style>
-              <a:lnRef idx="2">
-                <a:schemeClr val="accent1">
-                  <a:shade val="50000"/>
-                </a:schemeClr>
-              </a:lnRef>
-              <a:fillRef idx="1">
-                <a:schemeClr val="accent1"/>
-              </a:fillRef>
-              <a:effectRef idx="0">
-                <a:schemeClr val="accent1"/>
-              </a:effectRef>
-              <a:fontRef idx="minor">
-                <a:schemeClr val="lt1"/>
-              </a:fontRef>
-            </p:style>
-            <p:txBody>
-              <a:bodyPr rtlCol="0" anchor="ctr"/>
-              <a:lstStyle/>
-              <a:p>
-                <a:pPr algn="ctr"/>
-                <a:endParaRPr lang="en-US"/>
-              </a:p>
-            </p:txBody>
-          </p:sp>
-          <p:sp>
-            <p:nvSpPr>
-              <p:cNvPr id="13" name="Rounded Rectangle 12"/>
-              <p:cNvSpPr/>
-              <p:nvPr/>
-            </p:nvSpPr>
-            <p:spPr>
-              <a:xfrm>
-                <a:off x="736064" y="1558214"/>
-                <a:ext cx="7528997" cy="3269157"/>
-              </a:xfrm>
-              <a:prstGeom prst="roundRect">
-                <a:avLst/>
-              </a:prstGeom>
-              <a:solidFill>
-                <a:srgbClr val="FFFF99"/>
-              </a:solidFill>
-              <a:ln w="12700" cap="rnd">
-                <a:noFill/>
-                <a:bevel/>
-              </a:ln>
-            </p:spPr>
-            <p:style>
-              <a:lnRef idx="2">
-                <a:schemeClr val="accent1">
-                  <a:shade val="50000"/>
-                </a:schemeClr>
-              </a:lnRef>
-              <a:fillRef idx="1">
-                <a:schemeClr val="accent1"/>
-              </a:fillRef>
-              <a:effectRef idx="0">
-                <a:schemeClr val="accent1"/>
-              </a:effectRef>
-              <a:fontRef idx="minor">
-                <a:schemeClr val="lt1"/>
-              </a:fontRef>
-            </p:style>
-            <p:txBody>
-              <a:bodyPr rtlCol="0" anchor="ctr"/>
-              <a:lstStyle/>
-              <a:p>
-                <a:pPr algn="ctr"/>
-                <a:endParaRPr lang="en-US"/>
-              </a:p>
-            </p:txBody>
-          </p:sp>
-        </p:grpSp>
-      </p:grpSp>
-    </p:spTree>
-  </p:cSld>
-  <p:clrMapOvr>
-    <a:masterClrMapping/>
-  </p:clrMapOvr>
-</p:sld>
-</file>
-
 <file path=ppt/theme/theme1.xml><?xml version="1.0" encoding="utf-8"?>
 <a:theme xmlns:a="http://schemas.openxmlformats.org/drawingml/2006/main" name="Office Theme">
   <a:themeElements>

--- a/Resources/Presentation.pptx
+++ b/Resources/Presentation.pptx
@@ -289,7 +289,7 @@
             <a:fld id="{46746A40-33FF-4008-BBD0-53CD98C4BB29}" type="datetimeFigureOut">
               <a:rPr lang="en-US" smtClean="0"/>
               <a:pPr/>
-              <a:t>3/13/2011</a:t>
+              <a:t>3/22/2011</a:t>
             </a:fld>
             <a:endParaRPr lang="en-US"/>
           </a:p>
@@ -332,7 +332,7 @@
             <a:fld id="{A2B6C6B8-CE8A-40EE-86B7-C6690396086C}" type="slidenum">
               <a:rPr lang="en-US" smtClean="0"/>
               <a:pPr/>
-              <a:t>‹N›</a:t>
+              <a:t>‹#›</a:t>
             </a:fld>
             <a:endParaRPr lang="en-US"/>
           </a:p>
@@ -456,7 +456,7 @@
             <a:fld id="{46746A40-33FF-4008-BBD0-53CD98C4BB29}" type="datetimeFigureOut">
               <a:rPr lang="en-US" smtClean="0"/>
               <a:pPr/>
-              <a:t>3/13/2011</a:t>
+              <a:t>3/22/2011</a:t>
             </a:fld>
             <a:endParaRPr lang="en-US"/>
           </a:p>
@@ -499,7 +499,7 @@
             <a:fld id="{A2B6C6B8-CE8A-40EE-86B7-C6690396086C}" type="slidenum">
               <a:rPr lang="en-US" smtClean="0"/>
               <a:pPr/>
-              <a:t>‹N›</a:t>
+              <a:t>‹#›</a:t>
             </a:fld>
             <a:endParaRPr lang="en-US"/>
           </a:p>
@@ -633,7 +633,7 @@
             <a:fld id="{46746A40-33FF-4008-BBD0-53CD98C4BB29}" type="datetimeFigureOut">
               <a:rPr lang="en-US" smtClean="0"/>
               <a:pPr/>
-              <a:t>3/13/2011</a:t>
+              <a:t>3/22/2011</a:t>
             </a:fld>
             <a:endParaRPr lang="en-US"/>
           </a:p>
@@ -676,7 +676,7 @@
             <a:fld id="{A2B6C6B8-CE8A-40EE-86B7-C6690396086C}" type="slidenum">
               <a:rPr lang="en-US" smtClean="0"/>
               <a:pPr/>
-              <a:t>‹N›</a:t>
+              <a:t>‹#›</a:t>
             </a:fld>
             <a:endParaRPr lang="en-US"/>
           </a:p>
@@ -800,7 +800,7 @@
             <a:fld id="{46746A40-33FF-4008-BBD0-53CD98C4BB29}" type="datetimeFigureOut">
               <a:rPr lang="en-US" smtClean="0"/>
               <a:pPr/>
-              <a:t>3/13/2011</a:t>
+              <a:t>3/22/2011</a:t>
             </a:fld>
             <a:endParaRPr lang="en-US"/>
           </a:p>
@@ -843,7 +843,7 @@
             <a:fld id="{A2B6C6B8-CE8A-40EE-86B7-C6690396086C}" type="slidenum">
               <a:rPr lang="en-US" smtClean="0"/>
               <a:pPr/>
-              <a:t>‹N›</a:t>
+              <a:t>‹#›</a:t>
             </a:fld>
             <a:endParaRPr lang="en-US"/>
           </a:p>
@@ -1043,7 +1043,7 @@
             <a:fld id="{46746A40-33FF-4008-BBD0-53CD98C4BB29}" type="datetimeFigureOut">
               <a:rPr lang="en-US" smtClean="0"/>
               <a:pPr/>
-              <a:t>3/13/2011</a:t>
+              <a:t>3/22/2011</a:t>
             </a:fld>
             <a:endParaRPr lang="en-US"/>
           </a:p>
@@ -1086,7 +1086,7 @@
             <a:fld id="{A2B6C6B8-CE8A-40EE-86B7-C6690396086C}" type="slidenum">
               <a:rPr lang="en-US" smtClean="0"/>
               <a:pPr/>
-              <a:t>‹N›</a:t>
+              <a:t>‹#›</a:t>
             </a:fld>
             <a:endParaRPr lang="en-US"/>
           </a:p>
@@ -1328,7 +1328,7 @@
             <a:fld id="{46746A40-33FF-4008-BBD0-53CD98C4BB29}" type="datetimeFigureOut">
               <a:rPr lang="en-US" smtClean="0"/>
               <a:pPr/>
-              <a:t>3/13/2011</a:t>
+              <a:t>3/22/2011</a:t>
             </a:fld>
             <a:endParaRPr lang="en-US"/>
           </a:p>
@@ -1371,7 +1371,7 @@
             <a:fld id="{A2B6C6B8-CE8A-40EE-86B7-C6690396086C}" type="slidenum">
               <a:rPr lang="en-US" smtClean="0"/>
               <a:pPr/>
-              <a:t>‹N›</a:t>
+              <a:t>‹#›</a:t>
             </a:fld>
             <a:endParaRPr lang="en-US"/>
           </a:p>
@@ -1747,7 +1747,7 @@
             <a:fld id="{46746A40-33FF-4008-BBD0-53CD98C4BB29}" type="datetimeFigureOut">
               <a:rPr lang="en-US" smtClean="0"/>
               <a:pPr/>
-              <a:t>3/13/2011</a:t>
+              <a:t>3/22/2011</a:t>
             </a:fld>
             <a:endParaRPr lang="en-US"/>
           </a:p>
@@ -1790,7 +1790,7 @@
             <a:fld id="{A2B6C6B8-CE8A-40EE-86B7-C6690396086C}" type="slidenum">
               <a:rPr lang="en-US" smtClean="0"/>
               <a:pPr/>
-              <a:t>‹N›</a:t>
+              <a:t>‹#›</a:t>
             </a:fld>
             <a:endParaRPr lang="en-US"/>
           </a:p>
@@ -1862,7 +1862,7 @@
             <a:fld id="{46746A40-33FF-4008-BBD0-53CD98C4BB29}" type="datetimeFigureOut">
               <a:rPr lang="en-US" smtClean="0"/>
               <a:pPr/>
-              <a:t>3/13/2011</a:t>
+              <a:t>3/22/2011</a:t>
             </a:fld>
             <a:endParaRPr lang="en-US"/>
           </a:p>
@@ -1905,7 +1905,7 @@
             <a:fld id="{A2B6C6B8-CE8A-40EE-86B7-C6690396086C}" type="slidenum">
               <a:rPr lang="en-US" smtClean="0"/>
               <a:pPr/>
-              <a:t>‹N›</a:t>
+              <a:t>‹#›</a:t>
             </a:fld>
             <a:endParaRPr lang="en-US"/>
           </a:p>
@@ -1954,7 +1954,7 @@
             <a:fld id="{46746A40-33FF-4008-BBD0-53CD98C4BB29}" type="datetimeFigureOut">
               <a:rPr lang="en-US" smtClean="0"/>
               <a:pPr/>
-              <a:t>3/13/2011</a:t>
+              <a:t>3/22/2011</a:t>
             </a:fld>
             <a:endParaRPr lang="en-US"/>
           </a:p>
@@ -1997,7 +1997,7 @@
             <a:fld id="{A2B6C6B8-CE8A-40EE-86B7-C6690396086C}" type="slidenum">
               <a:rPr lang="en-US" smtClean="0"/>
               <a:pPr/>
-              <a:t>‹N›</a:t>
+              <a:t>‹#›</a:t>
             </a:fld>
             <a:endParaRPr lang="en-US"/>
           </a:p>
@@ -2228,7 +2228,7 @@
             <a:fld id="{46746A40-33FF-4008-BBD0-53CD98C4BB29}" type="datetimeFigureOut">
               <a:rPr lang="en-US" smtClean="0"/>
               <a:pPr/>
-              <a:t>3/13/2011</a:t>
+              <a:t>3/22/2011</a:t>
             </a:fld>
             <a:endParaRPr lang="en-US"/>
           </a:p>
@@ -2271,7 +2271,7 @@
             <a:fld id="{A2B6C6B8-CE8A-40EE-86B7-C6690396086C}" type="slidenum">
               <a:rPr lang="en-US" smtClean="0"/>
               <a:pPr/>
-              <a:t>‹N›</a:t>
+              <a:t>‹#›</a:t>
             </a:fld>
             <a:endParaRPr lang="en-US"/>
           </a:p>
@@ -2478,7 +2478,7 @@
             <a:fld id="{46746A40-33FF-4008-BBD0-53CD98C4BB29}" type="datetimeFigureOut">
               <a:rPr lang="en-US" smtClean="0"/>
               <a:pPr/>
-              <a:t>3/13/2011</a:t>
+              <a:t>3/22/2011</a:t>
             </a:fld>
             <a:endParaRPr lang="en-US"/>
           </a:p>
@@ -2521,7 +2521,7 @@
             <a:fld id="{A2B6C6B8-CE8A-40EE-86B7-C6690396086C}" type="slidenum">
               <a:rPr lang="en-US" smtClean="0"/>
               <a:pPr/>
-              <a:t>‹N›</a:t>
+              <a:t>‹#›</a:t>
             </a:fld>
             <a:endParaRPr lang="en-US"/>
           </a:p>
@@ -2688,7 +2688,7 @@
             <a:fld id="{46746A40-33FF-4008-BBD0-53CD98C4BB29}" type="datetimeFigureOut">
               <a:rPr lang="en-US" smtClean="0"/>
               <a:pPr/>
-              <a:t>3/13/2011</a:t>
+              <a:t>3/22/2011</a:t>
             </a:fld>
             <a:endParaRPr lang="en-US"/>
           </a:p>
@@ -2767,7 +2767,7 @@
             <a:fld id="{A2B6C6B8-CE8A-40EE-86B7-C6690396086C}" type="slidenum">
               <a:rPr lang="en-US" smtClean="0"/>
               <a:pPr/>
-              <a:t>‹N›</a:t>
+              <a:t>‹#›</a:t>
             </a:fld>
             <a:endParaRPr lang="en-US"/>
           </a:p>
@@ -3504,16 +3504,13 @@
           <a:gradFill>
             <a:gsLst>
               <a:gs pos="0">
-                <a:srgbClr val="5E9EFF"/>
+                <a:srgbClr val="DDEBCF"/>
               </a:gs>
-              <a:gs pos="39999">
-                <a:srgbClr val="85C2FF"/>
-              </a:gs>
-              <a:gs pos="70000">
-                <a:srgbClr val="C4D6EB"/>
+              <a:gs pos="34000">
+                <a:srgbClr val="FFFF99"/>
               </a:gs>
               <a:gs pos="100000">
-                <a:srgbClr val="FFEBFA"/>
+                <a:srgbClr val="156B13"/>
               </a:gs>
             </a:gsLst>
             <a:lin ang="5400000" scaled="0"/>
